--- a/SlidesForPresentations/rasd_myTaxiService_slides.pptx
+++ b/SlidesForPresentations/rasd_myTaxiService_slides.pptx
@@ -10238,8 +10238,23 @@
                 </a:solidFill>
                 <a:latin typeface="Calibri" panose="020F0502020204030204" pitchFamily="34" charset="0"/>
               </a:rPr>
-              <a:t>TAXI RIDE RESERVATION:</a:t>
-            </a:r>
+              <a:t>TAXI RIDE RESERVATION</a:t>
+            </a:r>
+            <a:r>
+              <a:rPr lang="it-IT" sz="1800" dirty="0" smtClean="0">
+                <a:solidFill>
+                  <a:srgbClr val="003366"/>
+                </a:solidFill>
+                <a:latin typeface="Calibri" panose="020F0502020204030204" pitchFamily="34" charset="0"/>
+              </a:rPr>
+              <a:t>:</a:t>
+            </a:r>
+            <a:endParaRPr lang="it-IT" sz="1800" dirty="0" smtClean="0">
+              <a:solidFill>
+                <a:srgbClr val="003366"/>
+              </a:solidFill>
+              <a:latin typeface="Calibri" panose="020F0502020204030204" pitchFamily="34" charset="0"/>
+            </a:endParaRPr>
           </a:p>
           <a:p>
             <a:pPr algn="just">
@@ -10315,8 +10330,163 @@
                 </a:solidFill>
                 <a:latin typeface="Calibri" panose="020F0502020204030204" pitchFamily="34" charset="0"/>
               </a:rPr>
-              <a:t>, Meeting Date and Time)</a:t>
-            </a:r>
+              <a:t>, Meeting Date and Time</a:t>
+            </a:r>
+            <a:r>
+              <a:rPr lang="it-IT" sz="1800" dirty="0" smtClean="0">
+                <a:solidFill>
+                  <a:schemeClr val="tx1"/>
+                </a:solidFill>
+                <a:latin typeface="Calibri" panose="020F0502020204030204" pitchFamily="34" charset="0"/>
+              </a:rPr>
+              <a:t>)</a:t>
+            </a:r>
+          </a:p>
+          <a:p>
+            <a:pPr algn="just">
+              <a:buNone/>
+            </a:pPr>
+            <a:r>
+              <a:rPr lang="it-IT" sz="1800" dirty="0">
+                <a:solidFill>
+                  <a:schemeClr val="tx1"/>
+                </a:solidFill>
+                <a:latin typeface="Calibri" panose="020F0502020204030204" pitchFamily="34" charset="0"/>
+              </a:rPr>
+              <a:t>	</a:t>
+            </a:r>
+            <a:r>
+              <a:rPr lang="it-IT" sz="1800" dirty="0" smtClean="0">
+                <a:solidFill>
+                  <a:schemeClr val="tx1"/>
+                </a:solidFill>
+                <a:latin typeface="Calibri" panose="020F0502020204030204" pitchFamily="34" charset="0"/>
+              </a:rPr>
+              <a:t>- </a:t>
+            </a:r>
+            <a:r>
+              <a:rPr lang="it-IT" sz="1800" dirty="0" err="1" smtClean="0">
+                <a:solidFill>
+                  <a:schemeClr val="tx1"/>
+                </a:solidFill>
+                <a:latin typeface="Calibri" panose="020F0502020204030204" pitchFamily="34" charset="0"/>
+              </a:rPr>
+              <a:t>Confirmed</a:t>
+            </a:r>
+            <a:r>
+              <a:rPr lang="it-IT" sz="1800" dirty="0" smtClean="0">
+                <a:solidFill>
+                  <a:schemeClr val="tx1"/>
+                </a:solidFill>
+                <a:latin typeface="Calibri" panose="020F0502020204030204" pitchFamily="34" charset="0"/>
+              </a:rPr>
+              <a:t> </a:t>
+            </a:r>
+            <a:r>
+              <a:rPr lang="it-IT" sz="1800" dirty="0" err="1" smtClean="0">
+                <a:solidFill>
+                  <a:schemeClr val="tx1"/>
+                </a:solidFill>
+                <a:latin typeface="Calibri" panose="020F0502020204030204" pitchFamily="34" charset="0"/>
+              </a:rPr>
+              <a:t>only</a:t>
+            </a:r>
+            <a:r>
+              <a:rPr lang="it-IT" sz="1800" dirty="0" smtClean="0">
+                <a:solidFill>
+                  <a:schemeClr val="tx1"/>
+                </a:solidFill>
+                <a:latin typeface="Calibri" panose="020F0502020204030204" pitchFamily="34" charset="0"/>
+              </a:rPr>
+              <a:t> </a:t>
+            </a:r>
+            <a:r>
+              <a:rPr lang="it-IT" sz="1800" dirty="0" err="1" smtClean="0">
+                <a:solidFill>
+                  <a:schemeClr val="tx1"/>
+                </a:solidFill>
+                <a:latin typeface="Calibri" panose="020F0502020204030204" pitchFamily="34" charset="0"/>
+              </a:rPr>
+              <a:t>if</a:t>
+            </a:r>
+            <a:r>
+              <a:rPr lang="it-IT" sz="1800" dirty="0" smtClean="0">
+                <a:solidFill>
+                  <a:schemeClr val="tx1"/>
+                </a:solidFill>
+                <a:latin typeface="Calibri" panose="020F0502020204030204" pitchFamily="34" charset="0"/>
+              </a:rPr>
+              <a:t> Meeting time </a:t>
+            </a:r>
+            <a:r>
+              <a:rPr lang="it-IT" sz="1800" dirty="0" err="1" smtClean="0">
+                <a:solidFill>
+                  <a:schemeClr val="tx1"/>
+                </a:solidFill>
+                <a:latin typeface="Calibri" panose="020F0502020204030204" pitchFamily="34" charset="0"/>
+              </a:rPr>
+              <a:t>is</a:t>
+            </a:r>
+            <a:r>
+              <a:rPr lang="it-IT" sz="1800" dirty="0" smtClean="0">
+                <a:solidFill>
+                  <a:schemeClr val="tx1"/>
+                </a:solidFill>
+                <a:latin typeface="Calibri" panose="020F0502020204030204" pitchFamily="34" charset="0"/>
+              </a:rPr>
+              <a:t> </a:t>
+            </a:r>
+            <a:r>
+              <a:rPr lang="it-IT" sz="1800" dirty="0" err="1" smtClean="0">
+                <a:solidFill>
+                  <a:schemeClr val="tx1"/>
+                </a:solidFill>
+                <a:latin typeface="Calibri" panose="020F0502020204030204" pitchFamily="34" charset="0"/>
+              </a:rPr>
+              <a:t>at</a:t>
+            </a:r>
+            <a:r>
+              <a:rPr lang="it-IT" sz="1800" dirty="0" smtClean="0">
+                <a:solidFill>
+                  <a:schemeClr val="tx1"/>
+                </a:solidFill>
+                <a:latin typeface="Calibri" panose="020F0502020204030204" pitchFamily="34" charset="0"/>
+              </a:rPr>
+              <a:t> </a:t>
+            </a:r>
+            <a:r>
+              <a:rPr lang="it-IT" sz="1800" dirty="0" err="1" smtClean="0">
+                <a:solidFill>
+                  <a:schemeClr val="tx1"/>
+                </a:solidFill>
+                <a:latin typeface="Calibri" panose="020F0502020204030204" pitchFamily="34" charset="0"/>
+              </a:rPr>
+              <a:t>least</a:t>
+            </a:r>
+            <a:r>
+              <a:rPr lang="it-IT" sz="1800" dirty="0" smtClean="0">
+                <a:solidFill>
+                  <a:schemeClr val="tx1"/>
+                </a:solidFill>
+                <a:latin typeface="Calibri" panose="020F0502020204030204" pitchFamily="34" charset="0"/>
+              </a:rPr>
+              <a:t> 2 hours </a:t>
+            </a:r>
+            <a:r>
+              <a:rPr lang="it-IT" sz="1800" dirty="0" err="1" smtClean="0">
+                <a:solidFill>
+                  <a:schemeClr val="tx1"/>
+                </a:solidFill>
+                <a:latin typeface="Calibri" panose="020F0502020204030204" pitchFamily="34" charset="0"/>
+              </a:rPr>
+              <a:t>before</a:t>
+            </a:r>
+            <a:endParaRPr lang="it-IT" sz="1800" dirty="0" smtClean="0">
+              <a:solidFill>
+                <a:schemeClr val="tx1"/>
+              </a:solidFill>
+              <a:latin typeface="Calibri" panose="020F0502020204030204" pitchFamily="34" charset="0"/>
+            </a:endParaRPr>
           </a:p>
           <a:p>
             <a:pPr algn="just">
@@ -10777,13 +10947,22 @@
               <a:t>- </a:t>
             </a:r>
             <a:r>
+              <a:rPr lang="it-IT" sz="1800" dirty="0" err="1">
+                <a:solidFill>
+                  <a:schemeClr val="tx1"/>
+                </a:solidFill>
+                <a:latin typeface="Calibri" panose="020F0502020204030204" pitchFamily="34" charset="0"/>
+              </a:rPr>
+              <a:t>H</a:t>
+            </a:r>
+            <a:r>
               <a:rPr lang="it-IT" sz="1800" dirty="0" err="1" smtClean="0">
                 <a:solidFill>
                   <a:schemeClr val="tx1"/>
                 </a:solidFill>
                 <a:latin typeface="Calibri" panose="020F0502020204030204" pitchFamily="34" charset="0"/>
               </a:rPr>
-              <a:t>history</a:t>
+              <a:t>istory</a:t>
             </a:r>
             <a:r>
               <a:rPr lang="it-IT" sz="1800" dirty="0" smtClean="0">
@@ -10792,7 +10971,16 @@
                 </a:solidFill>
                 <a:latin typeface="Calibri" panose="020F0502020204030204" pitchFamily="34" charset="0"/>
               </a:rPr>
-              <a:t> of </a:t>
+              <a:t> </a:t>
+            </a:r>
+            <a:r>
+              <a:rPr lang="it-IT" sz="1800" dirty="0" smtClean="0">
+                <a:solidFill>
+                  <a:schemeClr val="tx1"/>
+                </a:solidFill>
+                <a:latin typeface="Calibri" panose="020F0502020204030204" pitchFamily="34" charset="0"/>
+              </a:rPr>
+              <a:t>of </a:t>
             </a:r>
             <a:r>
               <a:rPr lang="it-IT" sz="1800" dirty="0" err="1" smtClean="0">
@@ -12255,16 +12443,7 @@
                 </a:solidFill>
                 <a:latin typeface="Calibri" panose="020F0502020204030204" pitchFamily="34" charset="0"/>
               </a:rPr>
-              <a:t>USE CASE </a:t>
-            </a:r>
-            <a:r>
-              <a:rPr lang="it-IT" sz="3200" dirty="0" smtClean="0">
-                <a:solidFill>
-                  <a:srgbClr val="003366"/>
-                </a:solidFill>
-                <a:latin typeface="Calibri" panose="020F0502020204030204" pitchFamily="34" charset="0"/>
-              </a:rPr>
-              <a:t>DESCRIPTION (1)</a:t>
+              <a:t>USE CASE DESCRIPTION (1)</a:t>
             </a:r>
             <a:endParaRPr sz="3200" dirty="0">
               <a:solidFill>
@@ -12615,16 +12794,7 @@
                 </a:solidFill>
                 <a:latin typeface="Calibri" panose="020F0502020204030204" pitchFamily="34" charset="0"/>
               </a:rPr>
-              <a:t>USE CASE </a:t>
-            </a:r>
-            <a:r>
-              <a:rPr lang="it-IT" sz="3200" dirty="0" smtClean="0">
-                <a:solidFill>
-                  <a:srgbClr val="003366"/>
-                </a:solidFill>
-                <a:latin typeface="Calibri" panose="020F0502020204030204" pitchFamily="34" charset="0"/>
-              </a:rPr>
-              <a:t>DESCRIPTION (2)</a:t>
+              <a:t>USE CASE DESCRIPTION (2)</a:t>
             </a:r>
             <a:endParaRPr sz="3200" dirty="0">
               <a:solidFill>
@@ -15838,16 +16008,7 @@
                 </a:solidFill>
                 <a:latin typeface="Calibri" panose="020F0502020204030204" pitchFamily="34" charset="0"/>
               </a:rPr>
-              <a:t>ALLOY </a:t>
-            </a:r>
-            <a:r>
-              <a:rPr lang="it-IT" sz="3200" dirty="0" smtClean="0">
-                <a:solidFill>
-                  <a:srgbClr val="003366"/>
-                </a:solidFill>
-                <a:latin typeface="Calibri" panose="020F0502020204030204" pitchFamily="34" charset="0"/>
-              </a:rPr>
-              <a:t>(3)</a:t>
+              <a:t>ALLOY (3)</a:t>
             </a:r>
             <a:endParaRPr sz="3200" dirty="0">
               <a:solidFill>
@@ -16191,16 +16352,7 @@
                 </a:solidFill>
                 <a:latin typeface="Calibri" panose="020F0502020204030204" pitchFamily="34" charset="0"/>
               </a:rPr>
-              <a:t>ALLOY </a:t>
-            </a:r>
-            <a:r>
-              <a:rPr lang="it-IT" sz="3200" dirty="0" smtClean="0">
-                <a:solidFill>
-                  <a:srgbClr val="003366"/>
-                </a:solidFill>
-                <a:latin typeface="Calibri" panose="020F0502020204030204" pitchFamily="34" charset="0"/>
-              </a:rPr>
-              <a:t>(4)</a:t>
+              <a:t>ALLOY (4)</a:t>
             </a:r>
             <a:endParaRPr sz="3200" dirty="0">
               <a:solidFill>
@@ -16544,16 +16696,7 @@
                 </a:solidFill>
                 <a:latin typeface="Calibri" panose="020F0502020204030204" pitchFamily="34" charset="0"/>
               </a:rPr>
-              <a:t>ALLOY </a:t>
-            </a:r>
-            <a:r>
-              <a:rPr lang="it-IT" sz="3200" dirty="0" smtClean="0">
-                <a:solidFill>
-                  <a:srgbClr val="003366"/>
-                </a:solidFill>
-                <a:latin typeface="Calibri" panose="020F0502020204030204" pitchFamily="34" charset="0"/>
-              </a:rPr>
-              <a:t>(5)</a:t>
+              <a:t>ALLOY (5)</a:t>
             </a:r>
             <a:endParaRPr sz="3200" dirty="0">
               <a:solidFill>
@@ -16897,16 +17040,7 @@
                 </a:solidFill>
                 <a:latin typeface="Calibri" panose="020F0502020204030204" pitchFamily="34" charset="0"/>
               </a:rPr>
-              <a:t>ALLOY </a:t>
-            </a:r>
-            <a:r>
-              <a:rPr lang="it-IT" sz="3200" dirty="0" smtClean="0">
-                <a:solidFill>
-                  <a:srgbClr val="003366"/>
-                </a:solidFill>
-                <a:latin typeface="Calibri" panose="020F0502020204030204" pitchFamily="34" charset="0"/>
-              </a:rPr>
-              <a:t>(6)</a:t>
+              <a:t>ALLOY (6)</a:t>
             </a:r>
             <a:endParaRPr sz="3200" dirty="0">
               <a:solidFill>
@@ -17250,16 +17384,7 @@
                 </a:solidFill>
                 <a:latin typeface="Calibri" panose="020F0502020204030204" pitchFamily="34" charset="0"/>
               </a:rPr>
-              <a:t>ALLOY </a:t>
-            </a:r>
-            <a:r>
-              <a:rPr lang="it-IT" sz="3200" dirty="0" smtClean="0">
-                <a:solidFill>
-                  <a:srgbClr val="003366"/>
-                </a:solidFill>
-                <a:latin typeface="Calibri" panose="020F0502020204030204" pitchFamily="34" charset="0"/>
-              </a:rPr>
-              <a:t>(7)</a:t>
+              <a:t>ALLOY (7)</a:t>
             </a:r>
             <a:endParaRPr sz="3200" dirty="0">
               <a:solidFill>
